--- a/docs/diagrams/appointment/AddAppointmentSequenceDiagram.pptx
+++ b/docs/diagrams/appointment/AddAppointmentSequenceDiagram.pptx
@@ -4362,8 +4362,8 @@
         </p:nvSpPr>
         <p:spPr>
           <a:xfrm>
-            <a:off x="6832600" y="8663001"/>
-            <a:ext cx="1298078" cy="184666"/>
+            <a:off x="6832599" y="8641555"/>
+            <a:ext cx="1402229" cy="184666"/>
           </a:xfrm>
           <a:prstGeom prst="rect">
             <a:avLst/>
@@ -4417,7 +4417,7 @@
         </p:nvSpPr>
         <p:spPr>
           <a:xfrm>
-            <a:off x="2506184" y="7048201"/>
+            <a:off x="2656477" y="7048201"/>
             <a:ext cx="2525123" cy="184666"/>
           </a:xfrm>
           <a:prstGeom prst="rect">
@@ -4461,8 +4461,8 @@
         </p:nvSpPr>
         <p:spPr>
           <a:xfrm>
-            <a:off x="4301632" y="9733625"/>
-            <a:ext cx="1004468" cy="184666"/>
+            <a:off x="3735918" y="9721334"/>
+            <a:ext cx="1337992" cy="184666"/>
           </a:xfrm>
           <a:prstGeom prst="rect">
             <a:avLst/>
@@ -5521,7 +5521,7 @@
         </p:nvSpPr>
         <p:spPr>
           <a:xfrm>
-            <a:off x="4084824" y="10211339"/>
+            <a:off x="3910045" y="10218588"/>
             <a:ext cx="1077323" cy="184666"/>
           </a:xfrm>
           <a:prstGeom prst="rect">
@@ -6084,6 +6084,166 @@
           <a:p>
             <a:pPr algn="ctr"/>
             <a:endParaRPr lang="en-SG" sz="1400"/>
+          </a:p>
+        </p:txBody>
+      </p:sp>
+      <p:cxnSp>
+        <p:nvCxnSpPr>
+          <p:cNvPr id="127" name="Curved Connector 126">
+            <a:extLst>
+              <a:ext uri="{FF2B5EF4-FFF2-40B4-BE49-F238E27FC236}">
+                <a16:creationId xmlns:a16="http://schemas.microsoft.com/office/drawing/2014/main" id="{00A34CD1-1447-964C-8E1B-7BF8F2743C27}"/>
+              </a:ext>
+            </a:extLst>
+          </p:cNvPr>
+          <p:cNvCxnSpPr>
+            <a:cxnSpLocks/>
+          </p:cNvCxnSpPr>
+          <p:nvPr/>
+        </p:nvCxnSpPr>
+        <p:spPr>
+          <a:xfrm rot="16200000" flipH="1">
+            <a:off x="12539398" y="10680466"/>
+            <a:ext cx="156923" cy="76200"/>
+          </a:xfrm>
+          <a:prstGeom prst="curvedConnector4">
+            <a:avLst>
+              <a:gd name="adj1" fmla="val -30349"/>
+              <a:gd name="adj2" fmla="val 350000"/>
+            </a:avLst>
+          </a:prstGeom>
+          <a:ln>
+            <a:solidFill>
+              <a:schemeClr val="accent6">
+                <a:lumMod val="75000"/>
+              </a:schemeClr>
+            </a:solidFill>
+            <a:tailEnd type="triangle"/>
+          </a:ln>
+        </p:spPr>
+        <p:style>
+          <a:lnRef idx="1">
+            <a:schemeClr val="accent1"/>
+          </a:lnRef>
+          <a:fillRef idx="0">
+            <a:schemeClr val="accent1"/>
+          </a:fillRef>
+          <a:effectRef idx="0">
+            <a:schemeClr val="accent1"/>
+          </a:effectRef>
+          <a:fontRef idx="minor">
+            <a:schemeClr val="tx1"/>
+          </a:fontRef>
+        </p:style>
+      </p:cxnSp>
+      <p:cxnSp>
+        <p:nvCxnSpPr>
+          <p:cNvPr id="147" name="Curved Connector 146">
+            <a:extLst>
+              <a:ext uri="{FF2B5EF4-FFF2-40B4-BE49-F238E27FC236}">
+                <a16:creationId xmlns:a16="http://schemas.microsoft.com/office/drawing/2014/main" id="{9AA50031-BA12-BD4A-AEEF-327C0B67E027}"/>
+              </a:ext>
+            </a:extLst>
+          </p:cNvPr>
+          <p:cNvCxnSpPr>
+            <a:cxnSpLocks/>
+          </p:cNvCxnSpPr>
+          <p:nvPr/>
+        </p:nvCxnSpPr>
+        <p:spPr>
+          <a:xfrm rot="19860000" flipH="1">
+            <a:off x="12529724" y="11096956"/>
+            <a:ext cx="156923" cy="76200"/>
+          </a:xfrm>
+          <a:prstGeom prst="curvedConnector4">
+            <a:avLst>
+              <a:gd name="adj1" fmla="val -36957"/>
+              <a:gd name="adj2" fmla="val 167677"/>
+            </a:avLst>
+          </a:prstGeom>
+          <a:ln>
+            <a:solidFill>
+              <a:schemeClr val="accent6">
+                <a:lumMod val="75000"/>
+              </a:schemeClr>
+            </a:solidFill>
+            <a:tailEnd type="triangle"/>
+          </a:ln>
+        </p:spPr>
+        <p:style>
+          <a:lnRef idx="1">
+            <a:schemeClr val="accent1"/>
+          </a:lnRef>
+          <a:fillRef idx="0">
+            <a:schemeClr val="accent1"/>
+          </a:fillRef>
+          <a:effectRef idx="0">
+            <a:schemeClr val="accent1"/>
+          </a:effectRef>
+          <a:fontRef idx="minor">
+            <a:schemeClr val="tx1"/>
+          </a:fontRef>
+        </p:style>
+      </p:cxnSp>
+      <p:sp>
+        <p:nvSpPr>
+          <p:cNvPr id="155" name="TextBox 154">
+            <a:extLst>
+              <a:ext uri="{FF2B5EF4-FFF2-40B4-BE49-F238E27FC236}">
+                <a16:creationId xmlns:a16="http://schemas.microsoft.com/office/drawing/2014/main" id="{7E7C490B-23F4-5548-A215-125B38BD5FCB}"/>
+              </a:ext>
+            </a:extLst>
+          </p:cNvPr>
+          <p:cNvSpPr txBox="1"/>
+          <p:nvPr/>
+        </p:nvSpPr>
+        <p:spPr>
+          <a:xfrm>
+            <a:off x="12290981" y="10395372"/>
+            <a:ext cx="1077323" cy="184666"/>
+          </a:xfrm>
+          <a:prstGeom prst="rect">
+            <a:avLst/>
+          </a:prstGeom>
+          <a:noFill/>
+        </p:spPr>
+        <p:txBody>
+          <a:bodyPr wrap="square" lIns="0" tIns="0" rIns="0" bIns="0" rtlCol="0">
+            <a:spAutoFit/>
+          </a:bodyPr>
+          <a:lstStyle>
+            <a:defPPr>
+              <a:defRPr lang="en-US"/>
+            </a:defPPr>
+            <a:lvl1pPr algn="r">
+              <a:defRPr sz="1400">
+                <a:solidFill>
+                  <a:srgbClr val="0070C0"/>
+                </a:solidFill>
+              </a:defRPr>
+            </a:lvl1pPr>
+          </a:lstStyle>
+          <a:p>
+            <a:r>
+              <a:rPr lang="en-US" sz="1200" dirty="0" err="1">
+                <a:solidFill>
+                  <a:schemeClr val="accent6">
+                    <a:lumMod val="75000"/>
+                  </a:schemeClr>
+                </a:solidFill>
+              </a:rPr>
+              <a:t>saveDocX</a:t>
+            </a:r>
+            <a:r>
+              <a:rPr lang="en-US" sz="1200" dirty="0">
+                <a:solidFill>
+                  <a:schemeClr val="accent6">
+                    <a:lumMod val="75000"/>
+                  </a:schemeClr>
+                </a:solidFill>
+              </a:rPr>
+              <a:t>()</a:t>
+            </a:r>
           </a:p>
         </p:txBody>
       </p:sp>

--- a/docs/diagrams/appointment/AddAppointmentSequenceDiagram.pptx
+++ b/docs/diagrams/appointment/AddAppointmentSequenceDiagram.pptx
@@ -208,7 +208,7 @@
           <a:p>
             <a:fld id="{F5CC4B3F-88C1-4FFA-B1B6-F41C21DC6924}" type="datetimeFigureOut">
               <a:rPr lang="en-US" smtClean="0"/>
-              <a:t>4/14/19</a:t>
+              <a:t>4/15/19</a:t>
             </a:fld>
             <a:endParaRPr lang="en-US"/>
           </a:p>
@@ -738,7 +738,7 @@
           <a:p>
             <a:fld id="{78C97017-6FC3-485B-9764-EAC9E56C1D49}" type="datetimeFigureOut">
               <a:rPr lang="en-US" smtClean="0"/>
-              <a:t>4/14/19</a:t>
+              <a:t>4/15/19</a:t>
             </a:fld>
             <a:endParaRPr lang="en-US"/>
           </a:p>
@@ -906,7 +906,7 @@
           <a:p>
             <a:fld id="{78C97017-6FC3-485B-9764-EAC9E56C1D49}" type="datetimeFigureOut">
               <a:rPr lang="en-US" smtClean="0"/>
-              <a:t>4/14/19</a:t>
+              <a:t>4/15/19</a:t>
             </a:fld>
             <a:endParaRPr lang="en-US"/>
           </a:p>
@@ -1084,7 +1084,7 @@
           <a:p>
             <a:fld id="{78C97017-6FC3-485B-9764-EAC9E56C1D49}" type="datetimeFigureOut">
               <a:rPr lang="en-US" smtClean="0"/>
-              <a:t>4/14/19</a:t>
+              <a:t>4/15/19</a:t>
             </a:fld>
             <a:endParaRPr lang="en-US"/>
           </a:p>
@@ -1252,7 +1252,7 @@
           <a:p>
             <a:fld id="{78C97017-6FC3-485B-9764-EAC9E56C1D49}" type="datetimeFigureOut">
               <a:rPr lang="en-US" smtClean="0"/>
-              <a:t>4/14/19</a:t>
+              <a:t>4/15/19</a:t>
             </a:fld>
             <a:endParaRPr lang="en-US"/>
           </a:p>
@@ -1497,7 +1497,7 @@
           <a:p>
             <a:fld id="{78C97017-6FC3-485B-9764-EAC9E56C1D49}" type="datetimeFigureOut">
               <a:rPr lang="en-US" smtClean="0"/>
-              <a:t>4/14/19</a:t>
+              <a:t>4/15/19</a:t>
             </a:fld>
             <a:endParaRPr lang="en-US"/>
           </a:p>
@@ -1782,7 +1782,7 @@
           <a:p>
             <a:fld id="{78C97017-6FC3-485B-9764-EAC9E56C1D49}" type="datetimeFigureOut">
               <a:rPr lang="en-US" smtClean="0"/>
-              <a:t>4/14/19</a:t>
+              <a:t>4/15/19</a:t>
             </a:fld>
             <a:endParaRPr lang="en-US"/>
           </a:p>
@@ -2201,7 +2201,7 @@
           <a:p>
             <a:fld id="{78C97017-6FC3-485B-9764-EAC9E56C1D49}" type="datetimeFigureOut">
               <a:rPr lang="en-US" smtClean="0"/>
-              <a:t>4/14/19</a:t>
+              <a:t>4/15/19</a:t>
             </a:fld>
             <a:endParaRPr lang="en-US"/>
           </a:p>
@@ -2318,7 +2318,7 @@
           <a:p>
             <a:fld id="{78C97017-6FC3-485B-9764-EAC9E56C1D49}" type="datetimeFigureOut">
               <a:rPr lang="en-US" smtClean="0"/>
-              <a:t>4/14/19</a:t>
+              <a:t>4/15/19</a:t>
             </a:fld>
             <a:endParaRPr lang="en-US"/>
           </a:p>
@@ -2413,7 +2413,7 @@
           <a:p>
             <a:fld id="{78C97017-6FC3-485B-9764-EAC9E56C1D49}" type="datetimeFigureOut">
               <a:rPr lang="en-US" smtClean="0"/>
-              <a:t>4/14/19</a:t>
+              <a:t>4/15/19</a:t>
             </a:fld>
             <a:endParaRPr lang="en-US"/>
           </a:p>
@@ -2688,7 +2688,7 @@
           <a:p>
             <a:fld id="{78C97017-6FC3-485B-9764-EAC9E56C1D49}" type="datetimeFigureOut">
               <a:rPr lang="en-US" smtClean="0"/>
-              <a:t>4/14/19</a:t>
+              <a:t>4/15/19</a:t>
             </a:fld>
             <a:endParaRPr lang="en-US"/>
           </a:p>
@@ -2940,7 +2940,7 @@
           <a:p>
             <a:fld id="{78C97017-6FC3-485B-9764-EAC9E56C1D49}" type="datetimeFigureOut">
               <a:rPr lang="en-US" smtClean="0"/>
-              <a:t>4/14/19</a:t>
+              <a:t>4/15/19</a:t>
             </a:fld>
             <a:endParaRPr lang="en-US"/>
           </a:p>
@@ -3151,7 +3151,7 @@
           <a:p>
             <a:fld id="{78C97017-6FC3-485B-9764-EAC9E56C1D49}" type="datetimeFigureOut">
               <a:rPr lang="en-US" smtClean="0"/>
-              <a:t>4/14/19</a:t>
+              <a:t>4/15/19</a:t>
             </a:fld>
             <a:endParaRPr lang="en-US"/>
           </a:p>
@@ -6167,6 +6167,7 @@
                 <a:lumMod val="75000"/>
               </a:schemeClr>
             </a:solidFill>
+            <a:prstDash val="dash"/>
             <a:tailEnd type="triangle"/>
           </a:ln>
         </p:spPr>
